--- a/勉強会資料/Redmine.pptx
+++ b/勉強会資料/Redmine.pptx
@@ -8,10 +8,10 @@
     <p:sldId id="256" r:id="rId2"/>
     <p:sldId id="257" r:id="rId3"/>
     <p:sldId id="259" r:id="rId4"/>
-    <p:sldId id="258" r:id="rId5"/>
-    <p:sldId id="260" r:id="rId6"/>
-    <p:sldId id="261" r:id="rId7"/>
-    <p:sldId id="273" r:id="rId8"/>
+    <p:sldId id="273" r:id="rId5"/>
+    <p:sldId id="258" r:id="rId6"/>
+    <p:sldId id="260" r:id="rId7"/>
+    <p:sldId id="261" r:id="rId8"/>
     <p:sldId id="271" r:id="rId9"/>
     <p:sldId id="262" r:id="rId10"/>
     <p:sldId id="264" r:id="rId11"/>
@@ -311,7 +311,7 @@
           <a:p>
             <a:fld id="{F84B987C-3DCB-47BD-BCB7-1E9244ABEF2C}" type="datetimeFigureOut">
               <a:rPr kumimoji="1" lang="ja-JP" altLang="en-US" smtClean="0"/>
-              <a:t>2019/4/18</a:t>
+              <a:t>2019/5/12</a:t>
             </a:fld>
             <a:endParaRPr kumimoji="1" lang="ja-JP" altLang="en-US"/>
           </a:p>
@@ -543,7 +543,7 @@
           <a:p>
             <a:fld id="{F84B987C-3DCB-47BD-BCB7-1E9244ABEF2C}" type="datetimeFigureOut">
               <a:rPr kumimoji="1" lang="ja-JP" altLang="en-US" smtClean="0"/>
-              <a:t>2019/4/18</a:t>
+              <a:t>2019/5/12</a:t>
             </a:fld>
             <a:endParaRPr kumimoji="1" lang="ja-JP" altLang="en-US"/>
           </a:p>
@@ -750,7 +750,7 @@
           <a:p>
             <a:fld id="{F84B987C-3DCB-47BD-BCB7-1E9244ABEF2C}" type="datetimeFigureOut">
               <a:rPr kumimoji="1" lang="ja-JP" altLang="en-US" smtClean="0"/>
-              <a:t>2019/4/18</a:t>
+              <a:t>2019/5/12</a:t>
             </a:fld>
             <a:endParaRPr kumimoji="1" lang="ja-JP" altLang="en-US"/>
           </a:p>
@@ -947,7 +947,7 @@
           <a:p>
             <a:fld id="{F84B987C-3DCB-47BD-BCB7-1E9244ABEF2C}" type="datetimeFigureOut">
               <a:rPr kumimoji="1" lang="ja-JP" altLang="en-US" smtClean="0"/>
-              <a:t>2019/4/18</a:t>
+              <a:t>2019/5/12</a:t>
             </a:fld>
             <a:endParaRPr kumimoji="1" lang="ja-JP" altLang="en-US"/>
           </a:p>
@@ -1195,7 +1195,7 @@
           <a:p>
             <a:fld id="{F84B987C-3DCB-47BD-BCB7-1E9244ABEF2C}" type="datetimeFigureOut">
               <a:rPr kumimoji="1" lang="ja-JP" altLang="en-US" smtClean="0"/>
-              <a:t>2019/4/18</a:t>
+              <a:t>2019/5/12</a:t>
             </a:fld>
             <a:endParaRPr kumimoji="1" lang="ja-JP" altLang="en-US"/>
           </a:p>
@@ -1577,7 +1577,7 @@
           <a:p>
             <a:fld id="{F84B987C-3DCB-47BD-BCB7-1E9244ABEF2C}" type="datetimeFigureOut">
               <a:rPr kumimoji="1" lang="ja-JP" altLang="en-US" smtClean="0"/>
-              <a:t>2019/4/18</a:t>
+              <a:t>2019/5/12</a:t>
             </a:fld>
             <a:endParaRPr kumimoji="1" lang="ja-JP" altLang="en-US"/>
           </a:p>
@@ -2107,7 +2107,7 @@
           <a:p>
             <a:fld id="{F84B987C-3DCB-47BD-BCB7-1E9244ABEF2C}" type="datetimeFigureOut">
               <a:rPr kumimoji="1" lang="ja-JP" altLang="en-US" smtClean="0"/>
-              <a:t>2019/4/18</a:t>
+              <a:t>2019/5/12</a:t>
             </a:fld>
             <a:endParaRPr kumimoji="1" lang="ja-JP" altLang="en-US"/>
           </a:p>
@@ -2255,7 +2255,7 @@
           <a:p>
             <a:fld id="{F84B987C-3DCB-47BD-BCB7-1E9244ABEF2C}" type="datetimeFigureOut">
               <a:rPr kumimoji="1" lang="ja-JP" altLang="en-US" smtClean="0"/>
-              <a:t>2019/4/18</a:t>
+              <a:t>2019/5/12</a:t>
             </a:fld>
             <a:endParaRPr kumimoji="1" lang="ja-JP" altLang="en-US"/>
           </a:p>
@@ -2345,7 +2345,7 @@
           <a:p>
             <a:fld id="{F84B987C-3DCB-47BD-BCB7-1E9244ABEF2C}" type="datetimeFigureOut">
               <a:rPr kumimoji="1" lang="ja-JP" altLang="en-US" smtClean="0"/>
-              <a:t>2019/4/18</a:t>
+              <a:t>2019/5/12</a:t>
             </a:fld>
             <a:endParaRPr kumimoji="1" lang="ja-JP" altLang="en-US"/>
           </a:p>
@@ -2651,7 +2651,7 @@
           <a:p>
             <a:fld id="{F84B987C-3DCB-47BD-BCB7-1E9244ABEF2C}" type="datetimeFigureOut">
               <a:rPr kumimoji="1" lang="ja-JP" altLang="en-US" smtClean="0"/>
-              <a:t>2019/4/18</a:t>
+              <a:t>2019/5/12</a:t>
             </a:fld>
             <a:endParaRPr kumimoji="1" lang="ja-JP" altLang="en-US"/>
           </a:p>
@@ -2956,7 +2956,7 @@
           <a:p>
             <a:fld id="{F84B987C-3DCB-47BD-BCB7-1E9244ABEF2C}" type="datetimeFigureOut">
               <a:rPr kumimoji="1" lang="ja-JP" altLang="en-US" smtClean="0"/>
-              <a:t>2019/4/18</a:t>
+              <a:t>2019/5/12</a:t>
             </a:fld>
             <a:endParaRPr kumimoji="1" lang="ja-JP" altLang="en-US"/>
           </a:p>
@@ -3286,7 +3286,7 @@
           <a:p>
             <a:fld id="{F84B987C-3DCB-47BD-BCB7-1E9244ABEF2C}" type="datetimeFigureOut">
               <a:rPr kumimoji="1" lang="ja-JP" altLang="en-US" smtClean="0"/>
-              <a:t>2019/4/18</a:t>
+              <a:t>2019/5/12</a:t>
             </a:fld>
             <a:endParaRPr kumimoji="1" lang="ja-JP" altLang="en-US"/>
           </a:p>
@@ -4710,15 +4710,15 @@
             </a:r>
             <a:r>
               <a:rPr kumimoji="1" lang="ja-JP" altLang="en-US" sz="2000" dirty="0" smtClean="0"/>
-              <a:t>に情報を一元管理させるための仕組み作りが重要。運用ルール決め、プラグイン導入よるチケット</a:t>
+              <a:t>に情報を一元管理させるための仕組み作りが重要。運用ルール決め、プラグイン導入よるチケットとメール、チャット等と連携させる機能追加等、</a:t>
             </a:r>
             <a:r>
               <a:rPr kumimoji="1" lang="ja-JP" altLang="en-US" sz="2000" dirty="0" smtClean="0"/>
-              <a:t>とメール、チャット等と連携させる</a:t>
+              <a:t>できるだけ操作を簡略化し、ユーザビリティ</a:t>
             </a:r>
             <a:r>
               <a:rPr kumimoji="1" lang="ja-JP" altLang="en-US" sz="2000" dirty="0" smtClean="0"/>
-              <a:t>機能追加等、できるだけ面倒くささを排除やユーザビリティを</a:t>
+              <a:t>を</a:t>
             </a:r>
             <a:r>
               <a:rPr lang="ja-JP" altLang="en-US" sz="2000" dirty="0" smtClean="0"/>
@@ -5443,381 +5443,6 @@
             <p:ph type="title"/>
           </p:nvPr>
         </p:nvSpPr>
-        <p:spPr/>
-        <p:txBody>
-          <a:bodyPr/>
-          <a:lstStyle/>
-          <a:p>
-            <a:r>
-              <a:rPr lang="en-US" altLang="ja-JP" dirty="0" err="1" smtClean="0"/>
-              <a:t>Redmine</a:t>
-            </a:r>
-            <a:r>
-              <a:rPr lang="ja-JP" altLang="en-US" dirty="0" smtClean="0"/>
-              <a:t>の利用シーン</a:t>
-            </a:r>
-            <a:endParaRPr kumimoji="1" lang="ja-JP" altLang="en-US" dirty="0"/>
-          </a:p>
-        </p:txBody>
-      </p:sp>
-      <p:sp>
-        <p:nvSpPr>
-          <p:cNvPr id="3" name="コンテンツ プレースホルダー 2"/>
-          <p:cNvSpPr>
-            <a:spLocks noGrp="1"/>
-          </p:cNvSpPr>
-          <p:nvPr>
-            <p:ph idx="1"/>
-          </p:nvPr>
-        </p:nvSpPr>
-        <p:spPr/>
-        <p:txBody>
-          <a:bodyPr>
-            <a:normAutofit/>
-          </a:bodyPr>
-          <a:lstStyle/>
-          <a:p>
-            <a:r>
-              <a:rPr lang="ja-JP" altLang="en-US" dirty="0"/>
-              <a:t>グループ開発時に</a:t>
-            </a:r>
-            <a:r>
-              <a:rPr lang="ja-JP" altLang="en-US" dirty="0" smtClean="0"/>
-              <a:t>タスク状況、割り当てを管理できる</a:t>
-            </a:r>
-            <a:endParaRPr lang="en-US" altLang="ja-JP" dirty="0" smtClean="0"/>
-          </a:p>
-          <a:p>
-            <a:r>
-              <a:rPr lang="ja-JP" altLang="en-US" dirty="0" smtClean="0"/>
-              <a:t>発生</a:t>
-            </a:r>
-            <a:r>
-              <a:rPr lang="ja-JP" altLang="en-US" dirty="0"/>
-              <a:t>したバグ及びバグ解決方法を確認</a:t>
-            </a:r>
-            <a:r>
-              <a:rPr lang="ja-JP" altLang="en-US" dirty="0" smtClean="0"/>
-              <a:t>できる</a:t>
-            </a:r>
-            <a:endParaRPr kumimoji="1" lang="en-US" altLang="ja-JP" dirty="0" smtClean="0"/>
-          </a:p>
-          <a:p>
-            <a:r>
-              <a:rPr lang="en-US" altLang="ja-JP" dirty="0" smtClean="0"/>
-              <a:t>Web</a:t>
-            </a:r>
-            <a:r>
-              <a:rPr lang="ja-JP" altLang="en-US" dirty="0" smtClean="0"/>
-              <a:t>アプリケーションなので離れた場所にいても情報を共有できる</a:t>
-            </a:r>
-            <a:endParaRPr lang="en-US" altLang="ja-JP" dirty="0" smtClean="0"/>
-          </a:p>
-          <a:p>
-            <a:r>
-              <a:rPr lang="en-US" altLang="ja-JP" dirty="0" smtClean="0"/>
-              <a:t>Subversion</a:t>
-            </a:r>
-            <a:r>
-              <a:rPr lang="ja-JP" altLang="en-US" dirty="0" smtClean="0"/>
-              <a:t>と連携すれば機能追加、バグを度バージョンで対応したか確認できる</a:t>
-            </a:r>
-            <a:endParaRPr lang="en-US" altLang="ja-JP" dirty="0" smtClean="0"/>
-          </a:p>
-          <a:p>
-            <a:r>
-              <a:rPr lang="ja-JP" altLang="en-US" dirty="0" smtClean="0"/>
-              <a:t>チケット駆動開発など</a:t>
-            </a:r>
-            <a:endParaRPr lang="en-US" altLang="ja-JP" dirty="0" smtClean="0"/>
-          </a:p>
-        </p:txBody>
-      </p:sp>
-    </p:spTree>
-    <p:extLst>
-      <p:ext uri="{BB962C8B-B14F-4D97-AF65-F5344CB8AC3E}">
-        <p14:creationId xmlns:p14="http://schemas.microsoft.com/office/powerpoint/2010/main" val="561993247"/>
-      </p:ext>
-    </p:extLst>
-  </p:cSld>
-  <p:clrMapOvr>
-    <a:masterClrMapping/>
-  </p:clrMapOvr>
-  <p:timing>
-    <p:tnLst>
-      <p:par>
-        <p:cTn id="1" dur="indefinite" restart="never" nodeType="tmRoot"/>
-      </p:par>
-    </p:tnLst>
-  </p:timing>
-</p:sld>
-</file>
-
-<file path=ppt/slides/slide5.xml><?xml version="1.0" encoding="utf-8"?>
-<p:sld xmlns:a="http://schemas.openxmlformats.org/drawingml/2006/main" xmlns:r="http://schemas.openxmlformats.org/officeDocument/2006/relationships" xmlns:p="http://schemas.openxmlformats.org/presentationml/2006/main">
-  <p:cSld>
-    <p:spTree>
-      <p:nvGrpSpPr>
-        <p:cNvPr id="1" name=""/>
-        <p:cNvGrpSpPr/>
-        <p:nvPr/>
-      </p:nvGrpSpPr>
-      <p:grpSpPr>
-        <a:xfrm>
-          <a:off x="0" y="0"/>
-          <a:ext cx="0" cy="0"/>
-          <a:chOff x="0" y="0"/>
-          <a:chExt cx="0" cy="0"/>
-        </a:xfrm>
-      </p:grpSpPr>
-      <p:sp>
-        <p:nvSpPr>
-          <p:cNvPr id="2" name="タイトル 1"/>
-          <p:cNvSpPr>
-            <a:spLocks noGrp="1"/>
-          </p:cNvSpPr>
-          <p:nvPr>
-            <p:ph type="title"/>
-          </p:nvPr>
-        </p:nvSpPr>
-        <p:spPr/>
-        <p:txBody>
-          <a:bodyPr/>
-          <a:lstStyle/>
-          <a:p>
-            <a:r>
-              <a:rPr lang="en-US" altLang="ja-JP" dirty="0" err="1" smtClean="0"/>
-              <a:t>Redmine</a:t>
-            </a:r>
-            <a:r>
-              <a:rPr lang="ja-JP" altLang="en-US" dirty="0" smtClean="0"/>
-              <a:t>の良いところ</a:t>
-            </a:r>
-            <a:endParaRPr kumimoji="1" lang="ja-JP" altLang="en-US" dirty="0"/>
-          </a:p>
-        </p:txBody>
-      </p:sp>
-      <p:sp>
-        <p:nvSpPr>
-          <p:cNvPr id="3" name="コンテンツ プレースホルダー 2"/>
-          <p:cNvSpPr>
-            <a:spLocks noGrp="1"/>
-          </p:cNvSpPr>
-          <p:nvPr>
-            <p:ph idx="1"/>
-          </p:nvPr>
-        </p:nvSpPr>
-        <p:spPr/>
-        <p:txBody>
-          <a:bodyPr/>
-          <a:lstStyle/>
-          <a:p>
-            <a:r>
-              <a:rPr lang="ja-JP" altLang="en-US" dirty="0" smtClean="0"/>
-              <a:t>日本語のドキュメントが豊富</a:t>
-            </a:r>
-            <a:endParaRPr lang="en-US" altLang="ja-JP" dirty="0" smtClean="0"/>
-          </a:p>
-          <a:p>
-            <a:r>
-              <a:rPr lang="ja-JP" altLang="en-US" dirty="0" smtClean="0"/>
-              <a:t>オープンソースなので無料</a:t>
-            </a:r>
-            <a:endParaRPr lang="en-US" altLang="ja-JP" dirty="0" smtClean="0"/>
-          </a:p>
-          <a:p>
-            <a:r>
-              <a:rPr lang="ja-JP" altLang="en-US" dirty="0"/>
-              <a:t>豊富</a:t>
-            </a:r>
-            <a:r>
-              <a:rPr lang="ja-JP" altLang="en-US" dirty="0" smtClean="0"/>
-              <a:t>なプラグイン</a:t>
-            </a:r>
-            <a:endParaRPr lang="en-US" altLang="ja-JP" dirty="0" smtClean="0"/>
-          </a:p>
-          <a:p>
-            <a:r>
-              <a:rPr kumimoji="1" lang="ja-JP" altLang="en-US" dirty="0" smtClean="0"/>
-              <a:t>導入しているプロジェクトが多い</a:t>
-            </a:r>
-            <a:endParaRPr kumimoji="1" lang="en-US" altLang="ja-JP" dirty="0" smtClean="0"/>
-          </a:p>
-          <a:p>
-            <a:endParaRPr kumimoji="1" lang="ja-JP" altLang="en-US" dirty="0"/>
-          </a:p>
-        </p:txBody>
-      </p:sp>
-    </p:spTree>
-    <p:extLst>
-      <p:ext uri="{BB962C8B-B14F-4D97-AF65-F5344CB8AC3E}">
-        <p14:creationId xmlns:p14="http://schemas.microsoft.com/office/powerpoint/2010/main" val="2636942273"/>
-      </p:ext>
-    </p:extLst>
-  </p:cSld>
-  <p:clrMapOvr>
-    <a:masterClrMapping/>
-  </p:clrMapOvr>
-  <p:timing>
-    <p:tnLst>
-      <p:par>
-        <p:cTn id="1" dur="indefinite" restart="never" nodeType="tmRoot"/>
-      </p:par>
-    </p:tnLst>
-  </p:timing>
-</p:sld>
-</file>
-
-<file path=ppt/slides/slide6.xml><?xml version="1.0" encoding="utf-8"?>
-<p:sld xmlns:a="http://schemas.openxmlformats.org/drawingml/2006/main" xmlns:r="http://schemas.openxmlformats.org/officeDocument/2006/relationships" xmlns:p="http://schemas.openxmlformats.org/presentationml/2006/main">
-  <p:cSld>
-    <p:spTree>
-      <p:nvGrpSpPr>
-        <p:cNvPr id="1" name=""/>
-        <p:cNvGrpSpPr/>
-        <p:nvPr/>
-      </p:nvGrpSpPr>
-      <p:grpSpPr>
-        <a:xfrm>
-          <a:off x="0" y="0"/>
-          <a:ext cx="0" cy="0"/>
-          <a:chOff x="0" y="0"/>
-          <a:chExt cx="0" cy="0"/>
-        </a:xfrm>
-      </p:grpSpPr>
-      <p:sp>
-        <p:nvSpPr>
-          <p:cNvPr id="2" name="タイトル 1"/>
-          <p:cNvSpPr>
-            <a:spLocks noGrp="1"/>
-          </p:cNvSpPr>
-          <p:nvPr>
-            <p:ph type="title"/>
-          </p:nvPr>
-        </p:nvSpPr>
-        <p:spPr/>
-        <p:txBody>
-          <a:bodyPr/>
-          <a:lstStyle/>
-          <a:p>
-            <a:r>
-              <a:rPr lang="en-US" altLang="ja-JP" dirty="0" err="1" smtClean="0"/>
-              <a:t>Redmine</a:t>
-            </a:r>
-            <a:r>
-              <a:rPr lang="ja-JP" altLang="en-US" dirty="0" smtClean="0"/>
-              <a:t>のダメなところ</a:t>
-            </a:r>
-            <a:endParaRPr kumimoji="1" lang="ja-JP" altLang="en-US" dirty="0"/>
-          </a:p>
-        </p:txBody>
-      </p:sp>
-      <p:sp>
-        <p:nvSpPr>
-          <p:cNvPr id="3" name="コンテンツ プレースホルダー 2"/>
-          <p:cNvSpPr>
-            <a:spLocks noGrp="1"/>
-          </p:cNvSpPr>
-          <p:nvPr>
-            <p:ph idx="1"/>
-          </p:nvPr>
-        </p:nvSpPr>
-        <p:spPr/>
-        <p:txBody>
-          <a:bodyPr/>
-          <a:lstStyle/>
-          <a:p>
-            <a:r>
-              <a:rPr kumimoji="1" lang="ja-JP" altLang="en-US" dirty="0" smtClean="0"/>
-              <a:t>他の</a:t>
-            </a:r>
-            <a:r>
-              <a:rPr lang="ja-JP" altLang="en-US" dirty="0" smtClean="0"/>
-              <a:t>プロジェクト管理ツールと比べるとエンジニア向けの</a:t>
-            </a:r>
-            <a:r>
-              <a:rPr lang="en-US" altLang="ja-JP" dirty="0" smtClean="0"/>
-              <a:t>UI</a:t>
-            </a:r>
-          </a:p>
-          <a:p>
-            <a:r>
-              <a:rPr kumimoji="1" lang="ja-JP" altLang="en-US" dirty="0"/>
-              <a:t>無料</a:t>
-            </a:r>
-            <a:r>
-              <a:rPr kumimoji="1" lang="ja-JP" altLang="en-US" dirty="0" smtClean="0"/>
-              <a:t>のため配置するサーバを含めての保守管理を自前でする必要がある</a:t>
-            </a:r>
-            <a:endParaRPr kumimoji="1" lang="en-US" altLang="ja-JP" dirty="0" smtClean="0"/>
-          </a:p>
-          <a:p>
-            <a:r>
-              <a:rPr lang="ja-JP" altLang="en-US" dirty="0" smtClean="0"/>
-              <a:t>インストールが若干</a:t>
-            </a:r>
-            <a:r>
-              <a:rPr lang="ja-JP" altLang="en-US" dirty="0" err="1" smtClean="0"/>
-              <a:t>めんど</a:t>
-            </a:r>
-            <a:r>
-              <a:rPr lang="ja-JP" altLang="en-US" dirty="0" smtClean="0"/>
-              <a:t>くさい</a:t>
-            </a:r>
-            <a:endParaRPr lang="en-US" altLang="ja-JP" dirty="0" smtClean="0"/>
-          </a:p>
-          <a:p>
-            <a:endParaRPr kumimoji="1" lang="ja-JP" altLang="en-US" dirty="0"/>
-          </a:p>
-        </p:txBody>
-      </p:sp>
-    </p:spTree>
-    <p:extLst>
-      <p:ext uri="{BB962C8B-B14F-4D97-AF65-F5344CB8AC3E}">
-        <p14:creationId xmlns:p14="http://schemas.microsoft.com/office/powerpoint/2010/main" val="3627710323"/>
-      </p:ext>
-    </p:extLst>
-  </p:cSld>
-  <p:clrMapOvr>
-    <a:masterClrMapping/>
-  </p:clrMapOvr>
-  <p:timing>
-    <p:tnLst>
-      <p:par>
-        <p:cTn id="1" dur="indefinite" restart="never" nodeType="tmRoot"/>
-      </p:par>
-    </p:tnLst>
-  </p:timing>
-</p:sld>
-</file>
-
-<file path=ppt/slides/slide7.xml><?xml version="1.0" encoding="utf-8"?>
-<p:sld xmlns:a="http://schemas.openxmlformats.org/drawingml/2006/main" xmlns:r="http://schemas.openxmlformats.org/officeDocument/2006/relationships" xmlns:p="http://schemas.openxmlformats.org/presentationml/2006/main">
-  <p:cSld>
-    <p:spTree>
-      <p:nvGrpSpPr>
-        <p:cNvPr id="1" name=""/>
-        <p:cNvGrpSpPr/>
-        <p:nvPr/>
-      </p:nvGrpSpPr>
-      <p:grpSpPr>
-        <a:xfrm>
-          <a:off x="0" y="0"/>
-          <a:ext cx="0" cy="0"/>
-          <a:chOff x="0" y="0"/>
-          <a:chExt cx="0" cy="0"/>
-        </a:xfrm>
-      </p:grpSpPr>
-      <p:sp>
-        <p:nvSpPr>
-          <p:cNvPr id="2" name="タイトル 1"/>
-          <p:cNvSpPr>
-            <a:spLocks noGrp="1"/>
-          </p:cNvSpPr>
-          <p:nvPr>
-            <p:ph type="title"/>
-          </p:nvPr>
-        </p:nvSpPr>
         <p:spPr>
           <a:xfrm>
             <a:off x="467544" y="548680"/>
@@ -5859,7 +5484,7 @@
         </p:blipFill>
         <p:spPr bwMode="auto">
           <a:xfrm>
-            <a:off x="3160681" y="4313321"/>
+            <a:off x="3160681" y="3541658"/>
             <a:ext cx="2016224" cy="672075"/>
           </a:xfrm>
           <a:prstGeom prst="ellipse">
@@ -5908,7 +5533,7 @@
         </p:nvGrpSpPr>
         <p:grpSpPr>
           <a:xfrm>
-            <a:off x="7625177" y="5170062"/>
+            <a:off x="7625177" y="4398399"/>
             <a:ext cx="288032" cy="648072"/>
             <a:chOff x="7308304" y="2708920"/>
             <a:chExt cx="288032" cy="648072"/>
@@ -6003,7 +5628,7 @@
         </p:nvGrpSpPr>
         <p:grpSpPr>
           <a:xfrm>
-            <a:off x="1072449" y="4209085"/>
+            <a:off x="1072449" y="3437422"/>
             <a:ext cx="288032" cy="648072"/>
             <a:chOff x="7308304" y="2708920"/>
             <a:chExt cx="288032" cy="648072"/>
@@ -6098,7 +5723,7 @@
         </p:nvSpPr>
         <p:spPr>
           <a:xfrm>
-            <a:off x="777883" y="4985396"/>
+            <a:off x="777883" y="4213733"/>
             <a:ext cx="877163" cy="369332"/>
           </a:xfrm>
           <a:prstGeom prst="rect">
@@ -6128,7 +5753,7 @@
         </p:nvSpPr>
         <p:spPr>
           <a:xfrm>
-            <a:off x="7330611" y="5917922"/>
+            <a:off x="7330611" y="5157192"/>
             <a:ext cx="877163" cy="369332"/>
           </a:xfrm>
           <a:prstGeom prst="rect">
@@ -6158,7 +5783,7 @@
         </p:nvGrpSpPr>
         <p:grpSpPr>
           <a:xfrm>
-            <a:off x="7625177" y="4399530"/>
+            <a:off x="7625177" y="3627867"/>
             <a:ext cx="288032" cy="648072"/>
             <a:chOff x="7308304" y="2708920"/>
             <a:chExt cx="288032" cy="648072"/>
@@ -6253,7 +5878,7 @@
         </p:nvGrpSpPr>
         <p:grpSpPr>
           <a:xfrm>
-            <a:off x="7654018" y="3541658"/>
+            <a:off x="7654018" y="2769995"/>
             <a:ext cx="288032" cy="648072"/>
             <a:chOff x="7308304" y="2708920"/>
             <a:chExt cx="288032" cy="648072"/>
@@ -6348,7 +5973,7 @@
         </p:nvCxnSpPr>
         <p:spPr>
           <a:xfrm>
-            <a:off x="1655046" y="4677137"/>
+            <a:off x="1655046" y="3905474"/>
             <a:ext cx="1361619" cy="5212"/>
           </a:xfrm>
           <a:prstGeom prst="straightConnector1">
@@ -6381,7 +6006,7 @@
         </p:nvCxnSpPr>
         <p:spPr>
           <a:xfrm flipH="1">
-            <a:off x="5320921" y="3909053"/>
+            <a:off x="5320921" y="3137390"/>
             <a:ext cx="2088232" cy="588064"/>
           </a:xfrm>
           <a:prstGeom prst="straightConnector1">
@@ -6414,7 +6039,7 @@
         </p:nvCxnSpPr>
         <p:spPr>
           <a:xfrm flipH="1">
-            <a:off x="5320921" y="4726014"/>
+            <a:off x="5320921" y="3954351"/>
             <a:ext cx="2009690" cy="0"/>
           </a:xfrm>
           <a:prstGeom prst="straightConnector1">
@@ -6447,7 +6072,7 @@
         </p:nvCxnSpPr>
         <p:spPr>
           <a:xfrm flipH="1" flipV="1">
-            <a:off x="5320921" y="4985396"/>
+            <a:off x="5320921" y="4213733"/>
             <a:ext cx="2009690" cy="652718"/>
           </a:xfrm>
           <a:prstGeom prst="straightConnector1">
@@ -6480,8 +6105,8 @@
         </p:nvSpPr>
         <p:spPr>
           <a:xfrm>
-            <a:off x="1655046" y="3527883"/>
-            <a:ext cx="1939955" cy="1015663"/>
+            <a:off x="1655046" y="2756220"/>
+            <a:ext cx="1588897" cy="830997"/>
           </a:xfrm>
           <a:prstGeom prst="rect">
             <a:avLst/>
@@ -6495,24 +6120,24 @@
           <a:lstStyle/>
           <a:p>
             <a:r>
-              <a:rPr kumimoji="1" lang="ja-JP" altLang="en-US" sz="2000" dirty="0" smtClean="0"/>
+              <a:rPr kumimoji="1" lang="ja-JP" altLang="en-US" sz="1600" dirty="0" smtClean="0"/>
               <a:t>プロジェクト追加</a:t>
             </a:r>
-            <a:endParaRPr kumimoji="1" lang="en-US" altLang="ja-JP" sz="2000" dirty="0" smtClean="0"/>
-          </a:p>
-          <a:p>
-            <a:r>
-              <a:rPr lang="ja-JP" altLang="en-US" sz="2000" dirty="0" smtClean="0"/>
+            <a:endParaRPr kumimoji="1" lang="en-US" altLang="ja-JP" sz="1600" dirty="0" smtClean="0"/>
+          </a:p>
+          <a:p>
+            <a:r>
+              <a:rPr lang="ja-JP" altLang="en-US" sz="1600" dirty="0" smtClean="0"/>
               <a:t>ユーザ管理</a:t>
             </a:r>
-            <a:endParaRPr lang="en-US" altLang="ja-JP" sz="2000" dirty="0" smtClean="0"/>
-          </a:p>
-          <a:p>
-            <a:r>
-              <a:rPr kumimoji="1" lang="ja-JP" altLang="en-US" sz="2000" dirty="0" smtClean="0"/>
+            <a:endParaRPr lang="en-US" altLang="ja-JP" sz="1600" dirty="0" smtClean="0"/>
+          </a:p>
+          <a:p>
+            <a:r>
+              <a:rPr kumimoji="1" lang="ja-JP" altLang="en-US" sz="1600" dirty="0" smtClean="0"/>
               <a:t>など</a:t>
             </a:r>
-            <a:endParaRPr kumimoji="1" lang="ja-JP" altLang="en-US" sz="2000" dirty="0"/>
+            <a:endParaRPr kumimoji="1" lang="ja-JP" altLang="en-US" sz="1600" dirty="0"/>
           </a:p>
         </p:txBody>
       </p:sp>
@@ -6524,8 +6149,8 @@
         </p:nvSpPr>
         <p:spPr>
           <a:xfrm>
-            <a:off x="5464937" y="2919412"/>
-            <a:ext cx="1526380" cy="1323439"/>
+            <a:off x="5464937" y="2725856"/>
+            <a:ext cx="1688283" cy="584775"/>
           </a:xfrm>
           <a:prstGeom prst="rect">
             <a:avLst/>
@@ -6539,31 +6164,33 @@
           <a:lstStyle/>
           <a:p>
             <a:r>
-              <a:rPr kumimoji="1" lang="ja-JP" altLang="en-US" sz="2000" dirty="0" smtClean="0"/>
-              <a:t>チケット登録</a:t>
-            </a:r>
-            <a:endParaRPr kumimoji="1" lang="en-US" altLang="ja-JP" sz="2000" dirty="0" smtClean="0"/>
-          </a:p>
-          <a:p>
-            <a:r>
-              <a:rPr lang="ja-JP" altLang="en-US" sz="2000" dirty="0" smtClean="0"/>
-              <a:t>チケット参照</a:t>
-            </a:r>
-            <a:endParaRPr lang="en-US" altLang="ja-JP" sz="2000" dirty="0" smtClean="0"/>
-          </a:p>
-          <a:p>
-            <a:r>
-              <a:rPr kumimoji="1" lang="ja-JP" altLang="en-US" sz="2000" dirty="0" smtClean="0"/>
-              <a:t>チケット更新</a:t>
-            </a:r>
-            <a:endParaRPr kumimoji="1" lang="en-US" altLang="ja-JP" sz="2000" dirty="0" smtClean="0"/>
-          </a:p>
-          <a:p>
-            <a:r>
-              <a:rPr lang="ja-JP" altLang="en-US" sz="2000" dirty="0"/>
-              <a:t>など</a:t>
-            </a:r>
-            <a:endParaRPr kumimoji="1" lang="ja-JP" altLang="en-US" sz="2000" dirty="0"/>
+              <a:rPr kumimoji="1" lang="ja-JP" altLang="en-US" sz="1600" dirty="0" smtClean="0"/>
+              <a:t>チケットの</a:t>
+            </a:r>
+            <a:endParaRPr kumimoji="1" lang="en-US" altLang="ja-JP" sz="1600" dirty="0" smtClean="0"/>
+          </a:p>
+          <a:p>
+            <a:r>
+              <a:rPr kumimoji="1" lang="ja-JP" altLang="en-US" sz="1600" dirty="0" smtClean="0"/>
+              <a:t>登録</a:t>
+            </a:r>
+            <a:r>
+              <a:rPr lang="ja-JP" altLang="en-US" sz="1600" dirty="0"/>
+              <a:t>、</a:t>
+            </a:r>
+            <a:r>
+              <a:rPr lang="ja-JP" altLang="en-US" sz="1600" dirty="0" smtClean="0"/>
+              <a:t>参照</a:t>
+            </a:r>
+            <a:r>
+              <a:rPr lang="ja-JP" altLang="en-US" sz="1600" dirty="0"/>
+              <a:t>、</a:t>
+            </a:r>
+            <a:r>
+              <a:rPr kumimoji="1" lang="ja-JP" altLang="en-US" sz="1600" dirty="0" smtClean="0"/>
+              <a:t>更新</a:t>
+            </a:r>
+            <a:endParaRPr kumimoji="1" lang="en-US" altLang="ja-JP" sz="1600" dirty="0" smtClean="0"/>
           </a:p>
         </p:txBody>
       </p:sp>
@@ -6576,7 +6203,7 @@
         <p:spPr>
           <a:xfrm>
             <a:off x="777883" y="1597719"/>
-            <a:ext cx="6352060" cy="646331"/>
+            <a:ext cx="6582892" cy="646331"/>
           </a:xfrm>
           <a:prstGeom prst="rect">
             <a:avLst/>
@@ -6598,7 +6225,7 @@
           <a:p>
             <a:r>
               <a:rPr kumimoji="1" lang="ja-JP" altLang="en-US" dirty="0" smtClean="0"/>
-              <a:t>利用者</a:t>
+              <a:t>利用者は</a:t>
             </a:r>
             <a:r>
               <a:rPr kumimoji="1" lang="en-US" altLang="ja-JP" dirty="0" smtClean="0"/>
@@ -6609,6 +6236,156 @@
               <a:t>アプリを通して「チケット」を登録、参照、更新を行う。</a:t>
             </a:r>
             <a:endParaRPr kumimoji="1" lang="ja-JP" altLang="en-US" dirty="0"/>
+          </a:p>
+        </p:txBody>
+      </p:sp>
+      <p:sp>
+        <p:nvSpPr>
+          <p:cNvPr id="28" name="メモ 27"/>
+          <p:cNvSpPr/>
+          <p:nvPr/>
+        </p:nvSpPr>
+        <p:spPr>
+          <a:xfrm>
+            <a:off x="4593411" y="4062390"/>
+            <a:ext cx="655235" cy="672017"/>
+          </a:xfrm>
+          <a:prstGeom prst="foldedCorner">
+            <a:avLst/>
+          </a:prstGeom>
+        </p:spPr>
+        <p:style>
+          <a:lnRef idx="1">
+            <a:schemeClr val="accent5"/>
+          </a:lnRef>
+          <a:fillRef idx="2">
+            <a:schemeClr val="accent5"/>
+          </a:fillRef>
+          <a:effectRef idx="1">
+            <a:schemeClr val="accent5"/>
+          </a:effectRef>
+          <a:fontRef idx="minor">
+            <a:schemeClr val="dk1"/>
+          </a:fontRef>
+        </p:style>
+        <p:txBody>
+          <a:bodyPr rtlCol="0" anchor="ctr"/>
+          <a:lstStyle/>
+          <a:p>
+            <a:pPr algn="ctr"/>
+            <a:r>
+              <a:rPr kumimoji="1" lang="ja-JP" altLang="en-US" sz="800" b="1" dirty="0" smtClean="0"/>
+              <a:t>チケット</a:t>
+            </a:r>
+            <a:endParaRPr kumimoji="1" lang="ja-JP" altLang="en-US" sz="800" b="1" dirty="0"/>
+          </a:p>
+        </p:txBody>
+      </p:sp>
+      <p:sp>
+        <p:nvSpPr>
+          <p:cNvPr id="20" name="角丸四角形吹き出し 19"/>
+          <p:cNvSpPr/>
+          <p:nvPr/>
+        </p:nvSpPr>
+        <p:spPr>
+          <a:xfrm>
+            <a:off x="2555776" y="4890384"/>
+            <a:ext cx="1737078" cy="1490944"/>
+          </a:xfrm>
+          <a:prstGeom prst="wedgeRoundRectCallout">
+            <a:avLst>
+              <a:gd name="adj1" fmla="val 68177"/>
+              <a:gd name="adj2" fmla="val -73374"/>
+              <a:gd name="adj3" fmla="val 16667"/>
+            </a:avLst>
+          </a:prstGeom>
+        </p:spPr>
+        <p:style>
+          <a:lnRef idx="2">
+            <a:schemeClr val="dk1"/>
+          </a:lnRef>
+          <a:fillRef idx="1">
+            <a:schemeClr val="lt1"/>
+          </a:fillRef>
+          <a:effectRef idx="0">
+            <a:schemeClr val="dk1"/>
+          </a:effectRef>
+          <a:fontRef idx="minor">
+            <a:schemeClr val="dk1"/>
+          </a:fontRef>
+        </p:style>
+        <p:txBody>
+          <a:bodyPr rtlCol="0" anchor="ctr"/>
+          <a:lstStyle/>
+          <a:p>
+            <a:r>
+              <a:rPr lang="ja-JP" altLang="en-US" sz="800" dirty="0" smtClean="0"/>
+              <a:t>プロジェクト</a:t>
+            </a:r>
+            <a:endParaRPr lang="en-US" altLang="ja-JP" sz="800" dirty="0" smtClean="0"/>
+          </a:p>
+          <a:p>
+            <a:r>
+              <a:rPr lang="ja-JP" altLang="en-US" sz="800" dirty="0" smtClean="0"/>
+              <a:t>トラッカー</a:t>
+            </a:r>
+            <a:endParaRPr lang="ja-JP" altLang="en-US" sz="800" dirty="0"/>
+          </a:p>
+          <a:p>
+            <a:r>
+              <a:rPr lang="ja-JP" altLang="en-US" sz="800" dirty="0"/>
+              <a:t>題名</a:t>
+            </a:r>
+          </a:p>
+          <a:p>
+            <a:r>
+              <a:rPr lang="ja-JP" altLang="en-US" sz="800" dirty="0"/>
+              <a:t>ステータス</a:t>
+            </a:r>
+          </a:p>
+          <a:p>
+            <a:r>
+              <a:rPr lang="ja-JP" altLang="en-US" sz="800" dirty="0"/>
+              <a:t>優先度</a:t>
+            </a:r>
+          </a:p>
+          <a:p>
+            <a:r>
+              <a:rPr lang="ja-JP" altLang="en-US" sz="800" dirty="0"/>
+              <a:t>担当者</a:t>
+            </a:r>
+          </a:p>
+          <a:p>
+            <a:r>
+              <a:rPr lang="ja-JP" altLang="en-US" sz="800" dirty="0" smtClean="0"/>
+              <a:t>内容</a:t>
+            </a:r>
+            <a:endParaRPr lang="en-US" altLang="ja-JP" sz="800" dirty="0" smtClean="0"/>
+          </a:p>
+          <a:p>
+            <a:r>
+              <a:rPr lang="ja-JP" altLang="en-US" sz="800" dirty="0"/>
+              <a:t>更新</a:t>
+            </a:r>
+            <a:r>
+              <a:rPr lang="ja-JP" altLang="en-US" sz="800" dirty="0" smtClean="0"/>
+              <a:t>日</a:t>
+            </a:r>
+            <a:endParaRPr lang="en-US" altLang="ja-JP" sz="800" dirty="0" smtClean="0"/>
+          </a:p>
+          <a:p>
+            <a:r>
+              <a:rPr lang="ja-JP" altLang="en-US" sz="800" dirty="0"/>
+              <a:t>更新者</a:t>
+            </a:r>
+            <a:endParaRPr lang="en-US" altLang="ja-JP" sz="800" dirty="0" smtClean="0"/>
+          </a:p>
+          <a:p>
+            <a:r>
+              <a:rPr kumimoji="1" lang="ja-JP" altLang="en-US" sz="800" dirty="0" smtClean="0"/>
+              <a:t>などの情報が記録される</a:t>
+            </a:r>
+            <a:endParaRPr kumimoji="1" lang="ja-JP" altLang="en-US" sz="800" dirty="0"/>
           </a:p>
         </p:txBody>
       </p:sp>
@@ -6616,6 +6393,391 @@
     <p:extLst>
       <p:ext uri="{BB962C8B-B14F-4D97-AF65-F5344CB8AC3E}">
         <p14:creationId xmlns:p14="http://schemas.microsoft.com/office/powerpoint/2010/main" val="3472926708"/>
+      </p:ext>
+    </p:extLst>
+  </p:cSld>
+  <p:clrMapOvr>
+    <a:masterClrMapping/>
+  </p:clrMapOvr>
+  <p:timing>
+    <p:tnLst>
+      <p:par>
+        <p:cTn id="1" dur="indefinite" restart="never" nodeType="tmRoot"/>
+      </p:par>
+    </p:tnLst>
+  </p:timing>
+</p:sld>
+</file>
+
+<file path=ppt/slides/slide5.xml><?xml version="1.0" encoding="utf-8"?>
+<p:sld xmlns:a="http://schemas.openxmlformats.org/drawingml/2006/main" xmlns:r="http://schemas.openxmlformats.org/officeDocument/2006/relationships" xmlns:p="http://schemas.openxmlformats.org/presentationml/2006/main">
+  <p:cSld>
+    <p:spTree>
+      <p:nvGrpSpPr>
+        <p:cNvPr id="1" name=""/>
+        <p:cNvGrpSpPr/>
+        <p:nvPr/>
+      </p:nvGrpSpPr>
+      <p:grpSpPr>
+        <a:xfrm>
+          <a:off x="0" y="0"/>
+          <a:ext cx="0" cy="0"/>
+          <a:chOff x="0" y="0"/>
+          <a:chExt cx="0" cy="0"/>
+        </a:xfrm>
+      </p:grpSpPr>
+      <p:sp>
+        <p:nvSpPr>
+          <p:cNvPr id="2" name="タイトル 1"/>
+          <p:cNvSpPr>
+            <a:spLocks noGrp="1"/>
+          </p:cNvSpPr>
+          <p:nvPr>
+            <p:ph type="title"/>
+          </p:nvPr>
+        </p:nvSpPr>
+        <p:spPr/>
+        <p:txBody>
+          <a:bodyPr/>
+          <a:lstStyle/>
+          <a:p>
+            <a:r>
+              <a:rPr lang="en-US" altLang="ja-JP" dirty="0" err="1" smtClean="0"/>
+              <a:t>Redmine</a:t>
+            </a:r>
+            <a:r>
+              <a:rPr lang="ja-JP" altLang="en-US" dirty="0" smtClean="0"/>
+              <a:t>の利用シーン</a:t>
+            </a:r>
+            <a:endParaRPr kumimoji="1" lang="ja-JP" altLang="en-US" dirty="0"/>
+          </a:p>
+        </p:txBody>
+      </p:sp>
+      <p:sp>
+        <p:nvSpPr>
+          <p:cNvPr id="3" name="コンテンツ プレースホルダー 2"/>
+          <p:cNvSpPr>
+            <a:spLocks noGrp="1"/>
+          </p:cNvSpPr>
+          <p:nvPr>
+            <p:ph idx="1"/>
+          </p:nvPr>
+        </p:nvSpPr>
+        <p:spPr/>
+        <p:txBody>
+          <a:bodyPr>
+            <a:normAutofit/>
+          </a:bodyPr>
+          <a:lstStyle/>
+          <a:p>
+            <a:r>
+              <a:rPr lang="ja-JP" altLang="en-US" dirty="0"/>
+              <a:t>グループ開発時に</a:t>
+            </a:r>
+            <a:r>
+              <a:rPr lang="ja-JP" altLang="en-US" dirty="0" smtClean="0"/>
+              <a:t>タスク状況、割り当てを管理できる</a:t>
+            </a:r>
+            <a:endParaRPr lang="en-US" altLang="ja-JP" dirty="0" smtClean="0"/>
+          </a:p>
+          <a:p>
+            <a:r>
+              <a:rPr lang="ja-JP" altLang="en-US" dirty="0" smtClean="0"/>
+              <a:t>発生</a:t>
+            </a:r>
+            <a:r>
+              <a:rPr lang="ja-JP" altLang="en-US" dirty="0"/>
+              <a:t>したバグ及びバグ解決方法を確認</a:t>
+            </a:r>
+            <a:r>
+              <a:rPr lang="ja-JP" altLang="en-US" dirty="0" smtClean="0"/>
+              <a:t>できる</a:t>
+            </a:r>
+            <a:endParaRPr kumimoji="1" lang="en-US" altLang="ja-JP" dirty="0" smtClean="0"/>
+          </a:p>
+          <a:p>
+            <a:r>
+              <a:rPr lang="en-US" altLang="ja-JP" dirty="0" smtClean="0"/>
+              <a:t>Web</a:t>
+            </a:r>
+            <a:r>
+              <a:rPr lang="ja-JP" altLang="en-US" dirty="0" smtClean="0"/>
+              <a:t>アプリケーションなので離れた場所にいても情報を共有できる</a:t>
+            </a:r>
+            <a:endParaRPr lang="en-US" altLang="ja-JP" dirty="0" smtClean="0"/>
+          </a:p>
+          <a:p>
+            <a:r>
+              <a:rPr lang="en-US" altLang="ja-JP" dirty="0" smtClean="0"/>
+              <a:t>Subversion</a:t>
+            </a:r>
+            <a:r>
+              <a:rPr lang="ja-JP" altLang="en-US" dirty="0" smtClean="0"/>
+              <a:t>と連携すれば機能追加、バグを度バージョンで対応したか確認できる</a:t>
+            </a:r>
+            <a:endParaRPr lang="en-US" altLang="ja-JP" dirty="0" smtClean="0"/>
+          </a:p>
+          <a:p>
+            <a:r>
+              <a:rPr lang="ja-JP" altLang="en-US" dirty="0" smtClean="0"/>
+              <a:t>チケット駆動開発など</a:t>
+            </a:r>
+            <a:endParaRPr lang="en-US" altLang="ja-JP" dirty="0" smtClean="0"/>
+          </a:p>
+        </p:txBody>
+      </p:sp>
+    </p:spTree>
+    <p:extLst>
+      <p:ext uri="{BB962C8B-B14F-4D97-AF65-F5344CB8AC3E}">
+        <p14:creationId xmlns:p14="http://schemas.microsoft.com/office/powerpoint/2010/main" val="561993247"/>
+      </p:ext>
+    </p:extLst>
+  </p:cSld>
+  <p:clrMapOvr>
+    <a:masterClrMapping/>
+  </p:clrMapOvr>
+  <p:timing>
+    <p:tnLst>
+      <p:par>
+        <p:cTn id="1" dur="indefinite" restart="never" nodeType="tmRoot"/>
+      </p:par>
+    </p:tnLst>
+  </p:timing>
+</p:sld>
+</file>
+
+<file path=ppt/slides/slide6.xml><?xml version="1.0" encoding="utf-8"?>
+<p:sld xmlns:a="http://schemas.openxmlformats.org/drawingml/2006/main" xmlns:r="http://schemas.openxmlformats.org/officeDocument/2006/relationships" xmlns:p="http://schemas.openxmlformats.org/presentationml/2006/main">
+  <p:cSld>
+    <p:spTree>
+      <p:nvGrpSpPr>
+        <p:cNvPr id="1" name=""/>
+        <p:cNvGrpSpPr/>
+        <p:nvPr/>
+      </p:nvGrpSpPr>
+      <p:grpSpPr>
+        <a:xfrm>
+          <a:off x="0" y="0"/>
+          <a:ext cx="0" cy="0"/>
+          <a:chOff x="0" y="0"/>
+          <a:chExt cx="0" cy="0"/>
+        </a:xfrm>
+      </p:grpSpPr>
+      <p:sp>
+        <p:nvSpPr>
+          <p:cNvPr id="2" name="タイトル 1"/>
+          <p:cNvSpPr>
+            <a:spLocks noGrp="1"/>
+          </p:cNvSpPr>
+          <p:nvPr>
+            <p:ph type="title"/>
+          </p:nvPr>
+        </p:nvSpPr>
+        <p:spPr/>
+        <p:txBody>
+          <a:bodyPr/>
+          <a:lstStyle/>
+          <a:p>
+            <a:r>
+              <a:rPr lang="en-US" altLang="ja-JP" dirty="0" err="1" smtClean="0"/>
+              <a:t>Redmine</a:t>
+            </a:r>
+            <a:r>
+              <a:rPr lang="ja-JP" altLang="en-US" dirty="0" smtClean="0"/>
+              <a:t>の良いところ</a:t>
+            </a:r>
+            <a:endParaRPr kumimoji="1" lang="ja-JP" altLang="en-US" dirty="0"/>
+          </a:p>
+        </p:txBody>
+      </p:sp>
+      <p:sp>
+        <p:nvSpPr>
+          <p:cNvPr id="3" name="コンテンツ プレースホルダー 2"/>
+          <p:cNvSpPr>
+            <a:spLocks noGrp="1"/>
+          </p:cNvSpPr>
+          <p:nvPr>
+            <p:ph idx="1"/>
+          </p:nvPr>
+        </p:nvSpPr>
+        <p:spPr/>
+        <p:txBody>
+          <a:bodyPr/>
+          <a:lstStyle/>
+          <a:p>
+            <a:r>
+              <a:rPr lang="ja-JP" altLang="en-US" dirty="0" smtClean="0"/>
+              <a:t>日本語のドキュメントが豊富</a:t>
+            </a:r>
+            <a:endParaRPr lang="en-US" altLang="ja-JP" dirty="0" smtClean="0"/>
+          </a:p>
+          <a:p>
+            <a:r>
+              <a:rPr lang="ja-JP" altLang="en-US" dirty="0" smtClean="0"/>
+              <a:t>オープンソースなので無料</a:t>
+            </a:r>
+            <a:endParaRPr lang="en-US" altLang="ja-JP" dirty="0" smtClean="0"/>
+          </a:p>
+          <a:p>
+            <a:r>
+              <a:rPr lang="ja-JP" altLang="en-US" dirty="0"/>
+              <a:t>豊富</a:t>
+            </a:r>
+            <a:r>
+              <a:rPr lang="ja-JP" altLang="en-US" dirty="0" smtClean="0"/>
+              <a:t>なプラグイン</a:t>
+            </a:r>
+            <a:endParaRPr lang="en-US" altLang="ja-JP" dirty="0" smtClean="0"/>
+          </a:p>
+          <a:p>
+            <a:r>
+              <a:rPr kumimoji="1" lang="ja-JP" altLang="en-US" dirty="0" smtClean="0"/>
+              <a:t>導入しているプロジェクトが多い</a:t>
+            </a:r>
+            <a:endParaRPr kumimoji="1" lang="en-US" altLang="ja-JP" dirty="0" smtClean="0"/>
+          </a:p>
+          <a:p>
+            <a:endParaRPr kumimoji="1" lang="ja-JP" altLang="en-US" dirty="0"/>
+          </a:p>
+        </p:txBody>
+      </p:sp>
+    </p:spTree>
+    <p:extLst>
+      <p:ext uri="{BB962C8B-B14F-4D97-AF65-F5344CB8AC3E}">
+        <p14:creationId xmlns:p14="http://schemas.microsoft.com/office/powerpoint/2010/main" val="2636942273"/>
+      </p:ext>
+    </p:extLst>
+  </p:cSld>
+  <p:clrMapOvr>
+    <a:masterClrMapping/>
+  </p:clrMapOvr>
+  <p:timing>
+    <p:tnLst>
+      <p:par>
+        <p:cTn id="1" dur="indefinite" restart="never" nodeType="tmRoot"/>
+      </p:par>
+    </p:tnLst>
+  </p:timing>
+</p:sld>
+</file>
+
+<file path=ppt/slides/slide7.xml><?xml version="1.0" encoding="utf-8"?>
+<p:sld xmlns:a="http://schemas.openxmlformats.org/drawingml/2006/main" xmlns:r="http://schemas.openxmlformats.org/officeDocument/2006/relationships" xmlns:p="http://schemas.openxmlformats.org/presentationml/2006/main">
+  <p:cSld>
+    <p:spTree>
+      <p:nvGrpSpPr>
+        <p:cNvPr id="1" name=""/>
+        <p:cNvGrpSpPr/>
+        <p:nvPr/>
+      </p:nvGrpSpPr>
+      <p:grpSpPr>
+        <a:xfrm>
+          <a:off x="0" y="0"/>
+          <a:ext cx="0" cy="0"/>
+          <a:chOff x="0" y="0"/>
+          <a:chExt cx="0" cy="0"/>
+        </a:xfrm>
+      </p:grpSpPr>
+      <p:sp>
+        <p:nvSpPr>
+          <p:cNvPr id="2" name="タイトル 1"/>
+          <p:cNvSpPr>
+            <a:spLocks noGrp="1"/>
+          </p:cNvSpPr>
+          <p:nvPr>
+            <p:ph type="title"/>
+          </p:nvPr>
+        </p:nvSpPr>
+        <p:spPr/>
+        <p:txBody>
+          <a:bodyPr/>
+          <a:lstStyle/>
+          <a:p>
+            <a:r>
+              <a:rPr lang="en-US" altLang="ja-JP" dirty="0" err="1" smtClean="0"/>
+              <a:t>Redmine</a:t>
+            </a:r>
+            <a:r>
+              <a:rPr lang="ja-JP" altLang="en-US" dirty="0" smtClean="0"/>
+              <a:t>のダメなところ</a:t>
+            </a:r>
+            <a:endParaRPr kumimoji="1" lang="ja-JP" altLang="en-US" dirty="0"/>
+          </a:p>
+        </p:txBody>
+      </p:sp>
+      <p:sp>
+        <p:nvSpPr>
+          <p:cNvPr id="3" name="コンテンツ プレースホルダー 2"/>
+          <p:cNvSpPr>
+            <a:spLocks noGrp="1"/>
+          </p:cNvSpPr>
+          <p:nvPr>
+            <p:ph idx="1"/>
+          </p:nvPr>
+        </p:nvSpPr>
+        <p:spPr/>
+        <p:txBody>
+          <a:bodyPr/>
+          <a:lstStyle/>
+          <a:p>
+            <a:r>
+              <a:rPr kumimoji="1" lang="ja-JP" altLang="en-US" dirty="0" smtClean="0"/>
+              <a:t>他の</a:t>
+            </a:r>
+            <a:r>
+              <a:rPr lang="ja-JP" altLang="en-US" dirty="0" smtClean="0"/>
+              <a:t>プロジェクト管理ツールと比べるとエンジニア向けの</a:t>
+            </a:r>
+            <a:r>
+              <a:rPr lang="en-US" altLang="ja-JP" dirty="0" smtClean="0"/>
+              <a:t>UI</a:t>
+            </a:r>
+          </a:p>
+          <a:p>
+            <a:r>
+              <a:rPr kumimoji="1" lang="ja-JP" altLang="en-US" dirty="0"/>
+              <a:t>無料</a:t>
+            </a:r>
+            <a:r>
+              <a:rPr kumimoji="1" lang="ja-JP" altLang="en-US" dirty="0" smtClean="0"/>
+              <a:t>のため配置するサーバを含めての保守管理を自前でする必要が</a:t>
+            </a:r>
+            <a:r>
+              <a:rPr kumimoji="1" lang="ja-JP" altLang="en-US" dirty="0" smtClean="0"/>
+              <a:t>ある</a:t>
+            </a:r>
+            <a:endParaRPr kumimoji="1" lang="en-US" altLang="ja-JP" dirty="0" smtClean="0"/>
+          </a:p>
+          <a:p>
+            <a:pPr marL="0" indent="0">
+              <a:buNone/>
+            </a:pPr>
+            <a:r>
+              <a:rPr lang="ja-JP" altLang="en-US" dirty="0"/>
+              <a:t>　</a:t>
+            </a:r>
+            <a:r>
+              <a:rPr lang="ja-JP" altLang="en-US" dirty="0" smtClean="0"/>
+              <a:t>（クラウド型サービスが存在するので、そちらを利用すると保　　守管理の必要がない）</a:t>
+            </a:r>
+            <a:endParaRPr kumimoji="1" lang="en-US" altLang="ja-JP" dirty="0" smtClean="0"/>
+          </a:p>
+          <a:p>
+            <a:r>
+              <a:rPr lang="ja-JP" altLang="en-US" dirty="0" smtClean="0"/>
+              <a:t>１からインストールすると若干面倒くさい</a:t>
+            </a:r>
+            <a:endParaRPr lang="en-US" altLang="ja-JP" dirty="0" smtClean="0"/>
+          </a:p>
+          <a:p>
+            <a:endParaRPr kumimoji="1" lang="ja-JP" altLang="en-US" dirty="0"/>
+          </a:p>
+        </p:txBody>
+      </p:sp>
+    </p:spTree>
+    <p:extLst>
+      <p:ext uri="{BB962C8B-B14F-4D97-AF65-F5344CB8AC3E}">
+        <p14:creationId xmlns:p14="http://schemas.microsoft.com/office/powerpoint/2010/main" val="3627710323"/>
       </p:ext>
     </p:extLst>
   </p:cSld>
